--- a/powerpointbusinessmodel.pptx
+++ b/powerpointbusinessmodel.pptx
@@ -4680,9 +4680,21 @@
         <p:spPr/>
         <p:txBody>
           <a:bodyPr>
-            <a:normAutofit lnSpcReduction="10000"/>
+            <a:normAutofit fontScale="85000" lnSpcReduction="10000"/>
           </a:bodyPr>
           <a:lstStyle/>
+          <a:p>
+            <a:r>
+              <a:rPr lang="en-US" dirty="0"/>
+              <a:t>Products will be lacto-ovo-vegetarian and products with meat will follow Zabiha Halal Standards</a:t>
+            </a:r>
+          </a:p>
+          <a:p>
+            <a:r>
+              <a:rPr lang="en-US" dirty="0"/>
+              <a:t>Custom products will be made for patients with health conditions </a:t>
+            </a:r>
+          </a:p>
           <a:p>
             <a:r>
               <a:rPr lang="en-US" dirty="0"/>
@@ -4690,26 +4702,15 @@
             </a:r>
           </a:p>
           <a:p>
-            <a:endParaRPr lang="en-US" dirty="0"/>
-          </a:p>
-          <a:p>
             <a:r>
               <a:rPr lang="en-US" dirty="0"/>
-              <a:t>Consumers will be provided information on source of information (plant sourced, animal sourced)</a:t>
+              <a:t>Consumers will be provided information on source of ingredients (plant sourced, animal sourced) understanding consumer needs as opposed to many companies with proprietary information</a:t>
             </a:r>
           </a:p>
           <a:p>
             <a:r>
               <a:rPr lang="en-US" dirty="0"/>
-              <a:t>Profit from this business will be used to build a nonprofit for consumer awareness by increasing awareness and demand to pressurize companies to start labeling products as vegan , vegetarian, gluten-free </a:t>
-            </a:r>
-            <a:r>
-              <a:rPr lang="en-US" dirty="0" err="1"/>
-              <a:t>etc</a:t>
-            </a:r>
-            <a:r>
-              <a:rPr lang="en-US" dirty="0"/>
-              <a:t> and ingredients with sources, more awareness about genetically modified foods and on chemicals used on plants linked with harmful diseases such as cancer</a:t>
+              <a:t>Profit from this business will be used to build a nonprofit for consumer awareness by increasing awareness and demand to pressurize companies to start labeling products as vegan , vegetarian, gluten-free etc. and ingredients with sources, more awareness about genetically modified foods and on chemicals used on plants linked with harmful diseases such as cancer</a:t>
             </a:r>
           </a:p>
         </p:txBody>
